--- a/CalendarioAgo21/presentaciones/8_For.pptx
+++ b/CalendarioAgo21/presentaciones/8_For.pptx
@@ -229,7 +229,7 @@
           <a:p>
             <a:fld id="{6850521A-C27A-4838-9C91-787748A77EFD}" type="datetimeFigureOut">
               <a:rPr lang="es-MX" smtClean="0"/>
-              <a:t>06/09/2020</a:t>
+              <a:t>30/08/2021</a:t>
             </a:fld>
             <a:endParaRPr lang="es-MX"/>
           </a:p>
@@ -646,7 +646,7 @@
           <a:p>
             <a:fld id="{C986F7B6-0F9C-4FDA-A996-02822F50260C}" type="slidenum">
               <a:rPr lang="es-MX" smtClean="0"/>
-              <a:t>16</a:t>
+              <a:t>15</a:t>
             </a:fld>
             <a:endParaRPr lang="es-MX"/>
           </a:p>
@@ -655,7 +655,7 @@
     </p:spTree>
     <p:extLst>
       <p:ext uri="{BB962C8B-B14F-4D97-AF65-F5344CB8AC3E}">
-        <p14:creationId xmlns:p14="http://schemas.microsoft.com/office/powerpoint/2010/main" val="182947746"/>
+        <p14:creationId xmlns:p14="http://schemas.microsoft.com/office/powerpoint/2010/main" val="2834214760"/>
       </p:ext>
     </p:extLst>
   </p:cSld>
@@ -728,18 +728,18 @@
           <a:bodyPr/>
           <a:lstStyle/>
           <a:p>
-            <a:fld id="{5D7662DF-BC41-459C-91F2-8BDB7DA00AEC}" type="slidenum">
+            <a:fld id="{C986F7B6-0F9C-4FDA-A996-02822F50260C}" type="slidenum">
               <a:rPr lang="es-MX" smtClean="0"/>
-              <a:t>17</a:t>
+              <a:t>16</a:t>
             </a:fld>
-            <a:endParaRPr lang="es-MX" dirty="0"/>
+            <a:endParaRPr lang="es-MX"/>
           </a:p>
         </p:txBody>
       </p:sp>
     </p:spTree>
     <p:extLst>
       <p:ext uri="{BB962C8B-B14F-4D97-AF65-F5344CB8AC3E}">
-        <p14:creationId xmlns:p14="http://schemas.microsoft.com/office/powerpoint/2010/main" val="3535771764"/>
+        <p14:creationId xmlns:p14="http://schemas.microsoft.com/office/powerpoint/2010/main" val="182947746"/>
       </p:ext>
     </p:extLst>
   </p:cSld>
@@ -812,18 +812,18 @@
           <a:bodyPr/>
           <a:lstStyle/>
           <a:p>
-            <a:fld id="{C986F7B6-0F9C-4FDA-A996-02822F50260C}" type="slidenum">
+            <a:fld id="{5D7662DF-BC41-459C-91F2-8BDB7DA00AEC}" type="slidenum">
               <a:rPr lang="es-MX" smtClean="0"/>
-              <a:t>18</a:t>
+              <a:t>17</a:t>
             </a:fld>
-            <a:endParaRPr lang="es-MX"/>
+            <a:endParaRPr lang="es-MX" dirty="0"/>
           </a:p>
         </p:txBody>
       </p:sp>
     </p:spTree>
     <p:extLst>
       <p:ext uri="{BB962C8B-B14F-4D97-AF65-F5344CB8AC3E}">
-        <p14:creationId xmlns:p14="http://schemas.microsoft.com/office/powerpoint/2010/main" val="2203651094"/>
+        <p14:creationId xmlns:p14="http://schemas.microsoft.com/office/powerpoint/2010/main" val="3535771764"/>
       </p:ext>
     </p:extLst>
   </p:cSld>
@@ -896,18 +896,18 @@
           <a:bodyPr/>
           <a:lstStyle/>
           <a:p>
-            <a:fld id="{5D7662DF-BC41-459C-91F2-8BDB7DA00AEC}" type="slidenum">
+            <a:fld id="{C986F7B6-0F9C-4FDA-A996-02822F50260C}" type="slidenum">
               <a:rPr lang="es-MX" smtClean="0"/>
-              <a:t>19</a:t>
+              <a:t>18</a:t>
             </a:fld>
-            <a:endParaRPr lang="es-MX" dirty="0"/>
+            <a:endParaRPr lang="es-MX"/>
           </a:p>
         </p:txBody>
       </p:sp>
     </p:spTree>
     <p:extLst>
       <p:ext uri="{BB962C8B-B14F-4D97-AF65-F5344CB8AC3E}">
-        <p14:creationId xmlns:p14="http://schemas.microsoft.com/office/powerpoint/2010/main" val="632717172"/>
+        <p14:creationId xmlns:p14="http://schemas.microsoft.com/office/powerpoint/2010/main" val="2203651094"/>
       </p:ext>
     </p:extLst>
   </p:cSld>
@@ -980,6 +980,90 @@
           <a:bodyPr/>
           <a:lstStyle/>
           <a:p>
+            <a:fld id="{5D7662DF-BC41-459C-91F2-8BDB7DA00AEC}" type="slidenum">
+              <a:rPr lang="es-MX" smtClean="0"/>
+              <a:t>19</a:t>
+            </a:fld>
+            <a:endParaRPr lang="es-MX" dirty="0"/>
+          </a:p>
+        </p:txBody>
+      </p:sp>
+    </p:spTree>
+    <p:extLst>
+      <p:ext uri="{BB962C8B-B14F-4D97-AF65-F5344CB8AC3E}">
+        <p14:creationId xmlns:p14="http://schemas.microsoft.com/office/powerpoint/2010/main" val="632717172"/>
+      </p:ext>
+    </p:extLst>
+  </p:cSld>
+  <p:clrMapOvr>
+    <a:masterClrMapping/>
+  </p:clrMapOvr>
+</p:notes>
+</file>
+
+<file path=ppt/notesSlides/notesSlide15.xml><?xml version="1.0" encoding="utf-8"?>
+<p:notes xmlns:a="http://schemas.openxmlformats.org/drawingml/2006/main" xmlns:r="http://schemas.openxmlformats.org/officeDocument/2006/relationships" xmlns:p="http://schemas.openxmlformats.org/presentationml/2006/main">
+  <p:cSld>
+    <p:spTree>
+      <p:nvGrpSpPr>
+        <p:cNvPr id="1" name=""/>
+        <p:cNvGrpSpPr/>
+        <p:nvPr/>
+      </p:nvGrpSpPr>
+      <p:grpSpPr>
+        <a:xfrm>
+          <a:off x="0" y="0"/>
+          <a:ext cx="0" cy="0"/>
+          <a:chOff x="0" y="0"/>
+          <a:chExt cx="0" cy="0"/>
+        </a:xfrm>
+      </p:grpSpPr>
+      <p:sp>
+        <p:nvSpPr>
+          <p:cNvPr id="2" name="Marcador de imagen de diapositiva 1"/>
+          <p:cNvSpPr>
+            <a:spLocks noGrp="1" noRot="1" noChangeAspect="1"/>
+          </p:cNvSpPr>
+          <p:nvPr>
+            <p:ph type="sldImg"/>
+          </p:nvPr>
+        </p:nvSpPr>
+        <p:spPr/>
+      </p:sp>
+      <p:sp>
+        <p:nvSpPr>
+          <p:cNvPr id="3" name="Marcador de notas 2"/>
+          <p:cNvSpPr>
+            <a:spLocks noGrp="1"/>
+          </p:cNvSpPr>
+          <p:nvPr>
+            <p:ph type="body" idx="1"/>
+          </p:nvPr>
+        </p:nvSpPr>
+        <p:spPr/>
+        <p:txBody>
+          <a:bodyPr/>
+          <a:lstStyle/>
+          <a:p>
+            <a:endParaRPr lang="es-MX" dirty="0"/>
+          </a:p>
+        </p:txBody>
+      </p:sp>
+      <p:sp>
+        <p:nvSpPr>
+          <p:cNvPr id="4" name="Marcador de número de diapositiva 3"/>
+          <p:cNvSpPr>
+            <a:spLocks noGrp="1"/>
+          </p:cNvSpPr>
+          <p:nvPr>
+            <p:ph type="sldNum" sz="quarter" idx="5"/>
+          </p:nvPr>
+        </p:nvSpPr>
+        <p:spPr/>
+        <p:txBody>
+          <a:bodyPr/>
+          <a:lstStyle/>
+          <a:p>
             <a:fld id="{C986F7B6-0F9C-4FDA-A996-02822F50260C}" type="slidenum">
               <a:rPr lang="es-MX" smtClean="0"/>
               <a:t>20</a:t>
@@ -1001,7 +1085,7 @@
 </p:notes>
 </file>
 
-<file path=ppt/notesSlides/notesSlide15.xml><?xml version="1.0" encoding="utf-8"?>
+<file path=ppt/notesSlides/notesSlide16.xml><?xml version="1.0" encoding="utf-8"?>
 <p:notes xmlns:a="http://schemas.openxmlformats.org/drawingml/2006/main" xmlns:r="http://schemas.openxmlformats.org/officeDocument/2006/relationships" xmlns:p="http://schemas.openxmlformats.org/presentationml/2006/main">
   <p:cSld>
     <p:spTree>
@@ -1140,7 +1224,7 @@
             <a:spLocks noGrp="1"/>
           </p:cNvSpPr>
           <p:nvPr>
-            <p:ph type="sldNum" sz="quarter" idx="10"/>
+            <p:ph type="sldNum" sz="quarter" idx="5"/>
           </p:nvPr>
         </p:nvSpPr>
         <p:spPr/>
@@ -1148,9 +1232,9 @@
           <a:bodyPr/>
           <a:lstStyle/>
           <a:p>
-            <a:fld id="{B8CCA98B-3408-4FF3-A904-475F3EA2A29A}" type="slidenum">
+            <a:fld id="{C986F7B6-0F9C-4FDA-A996-02822F50260C}" type="slidenum">
               <a:rPr lang="es-MX" smtClean="0"/>
-              <a:t>6</a:t>
+              <a:t>4</a:t>
             </a:fld>
             <a:endParaRPr lang="es-MX"/>
           </a:p>
@@ -1159,7 +1243,7 @@
     </p:spTree>
     <p:extLst>
       <p:ext uri="{BB962C8B-B14F-4D97-AF65-F5344CB8AC3E}">
-        <p14:creationId xmlns:p14="http://schemas.microsoft.com/office/powerpoint/2010/main" val="90013428"/>
+        <p14:creationId xmlns:p14="http://schemas.microsoft.com/office/powerpoint/2010/main" val="1241148031"/>
       </p:ext>
     </p:extLst>
   </p:cSld>
@@ -1234,7 +1318,7 @@
           <a:p>
             <a:fld id="{B8CCA98B-3408-4FF3-A904-475F3EA2A29A}" type="slidenum">
               <a:rPr lang="es-MX" smtClean="0"/>
-              <a:t>7</a:t>
+              <a:t>6</a:t>
             </a:fld>
             <a:endParaRPr lang="es-MX"/>
           </a:p>
@@ -1243,7 +1327,7 @@
     </p:spTree>
     <p:extLst>
       <p:ext uri="{BB962C8B-B14F-4D97-AF65-F5344CB8AC3E}">
-        <p14:creationId xmlns:p14="http://schemas.microsoft.com/office/powerpoint/2010/main" val="3429254866"/>
+        <p14:creationId xmlns:p14="http://schemas.microsoft.com/office/powerpoint/2010/main" val="90013428"/>
       </p:ext>
     </p:extLst>
   </p:cSld>
@@ -1308,7 +1392,7 @@
             <a:spLocks noGrp="1"/>
           </p:cNvSpPr>
           <p:nvPr>
-            <p:ph type="sldNum" sz="quarter" idx="5"/>
+            <p:ph type="sldNum" sz="quarter" idx="10"/>
           </p:nvPr>
         </p:nvSpPr>
         <p:spPr/>
@@ -1316,9 +1400,9 @@
           <a:bodyPr/>
           <a:lstStyle/>
           <a:p>
-            <a:fld id="{C986F7B6-0F9C-4FDA-A996-02822F50260C}" type="slidenum">
+            <a:fld id="{B8CCA98B-3408-4FF3-A904-475F3EA2A29A}" type="slidenum">
               <a:rPr lang="es-MX" smtClean="0"/>
-              <a:t>9</a:t>
+              <a:t>7</a:t>
             </a:fld>
             <a:endParaRPr lang="es-MX"/>
           </a:p>
@@ -1327,7 +1411,7 @@
     </p:spTree>
     <p:extLst>
       <p:ext uri="{BB962C8B-B14F-4D97-AF65-F5344CB8AC3E}">
-        <p14:creationId xmlns:p14="http://schemas.microsoft.com/office/powerpoint/2010/main" val="3560272740"/>
+        <p14:creationId xmlns:p14="http://schemas.microsoft.com/office/powerpoint/2010/main" val="3429254866"/>
       </p:ext>
     </p:extLst>
   </p:cSld>
@@ -1400,18 +1484,18 @@
           <a:bodyPr/>
           <a:lstStyle/>
           <a:p>
-            <a:fld id="{5D7662DF-BC41-459C-91F2-8BDB7DA00AEC}" type="slidenum">
+            <a:fld id="{C986F7B6-0F9C-4FDA-A996-02822F50260C}" type="slidenum">
               <a:rPr lang="es-MX" smtClean="0"/>
-              <a:t>11</a:t>
+              <a:t>9</a:t>
             </a:fld>
-            <a:endParaRPr lang="es-MX" dirty="0"/>
+            <a:endParaRPr lang="es-MX"/>
           </a:p>
         </p:txBody>
       </p:sp>
     </p:spTree>
     <p:extLst>
       <p:ext uri="{BB962C8B-B14F-4D97-AF65-F5344CB8AC3E}">
-        <p14:creationId xmlns:p14="http://schemas.microsoft.com/office/powerpoint/2010/main" val="2494638436"/>
+        <p14:creationId xmlns:p14="http://schemas.microsoft.com/office/powerpoint/2010/main" val="3560272740"/>
       </p:ext>
     </p:extLst>
   </p:cSld>
@@ -1484,18 +1568,18 @@
           <a:bodyPr/>
           <a:lstStyle/>
           <a:p>
-            <a:fld id="{C986F7B6-0F9C-4FDA-A996-02822F50260C}" type="slidenum">
+            <a:fld id="{5D7662DF-BC41-459C-91F2-8BDB7DA00AEC}" type="slidenum">
               <a:rPr lang="es-MX" smtClean="0"/>
-              <a:t>12</a:t>
+              <a:t>11</a:t>
             </a:fld>
-            <a:endParaRPr lang="es-MX"/>
+            <a:endParaRPr lang="es-MX" dirty="0"/>
           </a:p>
         </p:txBody>
       </p:sp>
     </p:spTree>
     <p:extLst>
       <p:ext uri="{BB962C8B-B14F-4D97-AF65-F5344CB8AC3E}">
-        <p14:creationId xmlns:p14="http://schemas.microsoft.com/office/powerpoint/2010/main" val="371450795"/>
+        <p14:creationId xmlns:p14="http://schemas.microsoft.com/office/powerpoint/2010/main" val="2494638436"/>
       </p:ext>
     </p:extLst>
   </p:cSld>
@@ -1570,7 +1654,7 @@
           <a:p>
             <a:fld id="{C986F7B6-0F9C-4FDA-A996-02822F50260C}" type="slidenum">
               <a:rPr lang="es-MX" smtClean="0"/>
-              <a:t>13</a:t>
+              <a:t>12</a:t>
             </a:fld>
             <a:endParaRPr lang="es-MX"/>
           </a:p>
@@ -1579,7 +1663,7 @@
     </p:spTree>
     <p:extLst>
       <p:ext uri="{BB962C8B-B14F-4D97-AF65-F5344CB8AC3E}">
-        <p14:creationId xmlns:p14="http://schemas.microsoft.com/office/powerpoint/2010/main" val="2780338332"/>
+        <p14:creationId xmlns:p14="http://schemas.microsoft.com/office/powerpoint/2010/main" val="371450795"/>
       </p:ext>
     </p:extLst>
   </p:cSld>
@@ -1652,18 +1736,18 @@
           <a:bodyPr/>
           <a:lstStyle/>
           <a:p>
-            <a:fld id="{5D7662DF-BC41-459C-91F2-8BDB7DA00AEC}" type="slidenum">
+            <a:fld id="{C986F7B6-0F9C-4FDA-A996-02822F50260C}" type="slidenum">
               <a:rPr lang="es-MX" smtClean="0"/>
-              <a:t>14</a:t>
+              <a:t>13</a:t>
             </a:fld>
-            <a:endParaRPr lang="es-MX" dirty="0"/>
+            <a:endParaRPr lang="es-MX"/>
           </a:p>
         </p:txBody>
       </p:sp>
     </p:spTree>
     <p:extLst>
       <p:ext uri="{BB962C8B-B14F-4D97-AF65-F5344CB8AC3E}">
-        <p14:creationId xmlns:p14="http://schemas.microsoft.com/office/powerpoint/2010/main" val="3801497333"/>
+        <p14:creationId xmlns:p14="http://schemas.microsoft.com/office/powerpoint/2010/main" val="2780338332"/>
       </p:ext>
     </p:extLst>
   </p:cSld>
@@ -1736,18 +1820,18 @@
           <a:bodyPr/>
           <a:lstStyle/>
           <a:p>
-            <a:fld id="{C986F7B6-0F9C-4FDA-A996-02822F50260C}" type="slidenum">
+            <a:fld id="{5D7662DF-BC41-459C-91F2-8BDB7DA00AEC}" type="slidenum">
               <a:rPr lang="es-MX" smtClean="0"/>
-              <a:t>15</a:t>
+              <a:t>14</a:t>
             </a:fld>
-            <a:endParaRPr lang="es-MX"/>
+            <a:endParaRPr lang="es-MX" dirty="0"/>
           </a:p>
         </p:txBody>
       </p:sp>
     </p:spTree>
     <p:extLst>
       <p:ext uri="{BB962C8B-B14F-4D97-AF65-F5344CB8AC3E}">
-        <p14:creationId xmlns:p14="http://schemas.microsoft.com/office/powerpoint/2010/main" val="2834214760"/>
+        <p14:creationId xmlns:p14="http://schemas.microsoft.com/office/powerpoint/2010/main" val="3801497333"/>
       </p:ext>
     </p:extLst>
   </p:cSld>
@@ -1938,7 +2022,7 @@
           <a:p>
             <a:fld id="{25BC5239-EFEC-4EF5-AB4E-B8ED16D8832D}" type="datetimeFigureOut">
               <a:rPr lang="es-MX" smtClean="0"/>
-              <a:t>06/09/2020</a:t>
+              <a:t>30/08/2021</a:t>
             </a:fld>
             <a:endParaRPr lang="es-MX"/>
           </a:p>
@@ -2108,7 +2192,7 @@
           <a:p>
             <a:fld id="{25BC5239-EFEC-4EF5-AB4E-B8ED16D8832D}" type="datetimeFigureOut">
               <a:rPr lang="es-MX" smtClean="0"/>
-              <a:t>06/09/2020</a:t>
+              <a:t>30/08/2021</a:t>
             </a:fld>
             <a:endParaRPr lang="es-MX"/>
           </a:p>
@@ -2288,7 +2372,7 @@
           <a:p>
             <a:fld id="{25BC5239-EFEC-4EF5-AB4E-B8ED16D8832D}" type="datetimeFigureOut">
               <a:rPr lang="es-MX" smtClean="0"/>
-              <a:t>06/09/2020</a:t>
+              <a:t>30/08/2021</a:t>
             </a:fld>
             <a:endParaRPr lang="es-MX"/>
           </a:p>
@@ -2669,7 +2753,7 @@
           <a:p>
             <a:fld id="{1D8BD707-D9CF-40AE-B4C6-C98DA3205C09}" type="datetimeFigureOut">
               <a:rPr lang="en-US" smtClean="0"/>
-              <a:t>9/6/2020</a:t>
+              <a:t>8/30/2021</a:t>
             </a:fld>
             <a:endParaRPr lang="en-US"/>
           </a:p>
@@ -2829,7 +2913,7 @@
           <a:p>
             <a:fld id="{25BC5239-EFEC-4EF5-AB4E-B8ED16D8832D}" type="datetimeFigureOut">
               <a:rPr lang="es-MX" smtClean="0"/>
-              <a:t>06/09/2020</a:t>
+              <a:t>30/08/2021</a:t>
             </a:fld>
             <a:endParaRPr lang="es-MX"/>
           </a:p>
@@ -3075,7 +3159,7 @@
           <a:p>
             <a:fld id="{25BC5239-EFEC-4EF5-AB4E-B8ED16D8832D}" type="datetimeFigureOut">
               <a:rPr lang="es-MX" smtClean="0"/>
-              <a:t>06/09/2020</a:t>
+              <a:t>30/08/2021</a:t>
             </a:fld>
             <a:endParaRPr lang="es-MX"/>
           </a:p>
@@ -3363,7 +3447,7 @@
           <a:p>
             <a:fld id="{25BC5239-EFEC-4EF5-AB4E-B8ED16D8832D}" type="datetimeFigureOut">
               <a:rPr lang="es-MX" smtClean="0"/>
-              <a:t>06/09/2020</a:t>
+              <a:t>30/08/2021</a:t>
             </a:fld>
             <a:endParaRPr lang="es-MX"/>
           </a:p>
@@ -3785,7 +3869,7 @@
           <a:p>
             <a:fld id="{25BC5239-EFEC-4EF5-AB4E-B8ED16D8832D}" type="datetimeFigureOut">
               <a:rPr lang="es-MX" smtClean="0"/>
-              <a:t>06/09/2020</a:t>
+              <a:t>30/08/2021</a:t>
             </a:fld>
             <a:endParaRPr lang="es-MX"/>
           </a:p>
@@ -3903,7 +3987,7 @@
           <a:p>
             <a:fld id="{25BC5239-EFEC-4EF5-AB4E-B8ED16D8832D}" type="datetimeFigureOut">
               <a:rPr lang="es-MX" smtClean="0"/>
-              <a:t>06/09/2020</a:t>
+              <a:t>30/08/2021</a:t>
             </a:fld>
             <a:endParaRPr lang="es-MX"/>
           </a:p>
@@ -3998,7 +4082,7 @@
           <a:p>
             <a:fld id="{25BC5239-EFEC-4EF5-AB4E-B8ED16D8832D}" type="datetimeFigureOut">
               <a:rPr lang="es-MX" smtClean="0"/>
-              <a:t>06/09/2020</a:t>
+              <a:t>30/08/2021</a:t>
             </a:fld>
             <a:endParaRPr lang="es-MX"/>
           </a:p>
@@ -4275,7 +4359,7 @@
           <a:p>
             <a:fld id="{25BC5239-EFEC-4EF5-AB4E-B8ED16D8832D}" type="datetimeFigureOut">
               <a:rPr lang="es-MX" smtClean="0"/>
-              <a:t>06/09/2020</a:t>
+              <a:t>30/08/2021</a:t>
             </a:fld>
             <a:endParaRPr lang="es-MX"/>
           </a:p>
@@ -4528,7 +4612,7 @@
           <a:p>
             <a:fld id="{25BC5239-EFEC-4EF5-AB4E-B8ED16D8832D}" type="datetimeFigureOut">
               <a:rPr lang="es-MX" smtClean="0"/>
-              <a:t>06/09/2020</a:t>
+              <a:t>30/08/2021</a:t>
             </a:fld>
             <a:endParaRPr lang="es-MX"/>
           </a:p>
@@ -4741,7 +4825,7 @@
           <a:p>
             <a:fld id="{25BC5239-EFEC-4EF5-AB4E-B8ED16D8832D}" type="datetimeFigureOut">
               <a:rPr lang="es-MX" smtClean="0"/>
-              <a:t>06/09/2020</a:t>
+              <a:t>30/08/2021</a:t>
             </a:fld>
             <a:endParaRPr lang="es-MX"/>
           </a:p>
@@ -28670,7 +28754,7 @@
         <p:spPr>
           <a:xfrm>
             <a:off x="2627784" y="3933056"/>
-            <a:ext cx="2680004" cy="1697068"/>
+            <a:ext cx="3888432" cy="1697068"/>
           </a:xfrm>
           <a:prstGeom prst="rect">
             <a:avLst/>
@@ -28742,7 +28826,25 @@
                 </a:solidFill>
                 <a:cs typeface="Arial" pitchFamily="34" charset="0"/>
               </a:rPr>
-              <a:t> continua: </a:t>
+              <a:t> continua ==  </a:t>
+            </a:r>
+            <a:r>
+              <a:rPr lang="es-MX" altLang="es-MX" sz="2400" b="1" dirty="0">
+                <a:solidFill>
+                  <a:srgbClr val="FF0000"/>
+                </a:solidFill>
+                <a:cs typeface="Arial" pitchFamily="34" charset="0"/>
+              </a:rPr>
+              <a:t>True</a:t>
+            </a:r>
+            <a:r>
+              <a:rPr lang="es-MX" altLang="es-MX" sz="2400" b="1" dirty="0">
+                <a:solidFill>
+                  <a:srgbClr val="0070C0"/>
+                </a:solidFill>
+                <a:cs typeface="Arial" pitchFamily="34" charset="0"/>
+              </a:rPr>
+              <a:t>: </a:t>
             </a:r>
           </a:p>
           <a:p>
@@ -28795,7 +28897,7 @@
           <p:nvPr/>
         </p:nvPicPr>
         <p:blipFill>
-          <a:blip r:embed="rId2" cstate="print">
+          <a:blip r:embed="rId3" cstate="print">
             <a:extLst>
               <a:ext uri="{28A0092B-C50C-407E-A947-70E740481C1C}">
                 <a14:useLocalDpi xmlns:a14="http://schemas.microsoft.com/office/drawing/2010/main" val="0"/>
@@ -28808,7 +28910,7 @@
         </p:blipFill>
         <p:spPr>
           <a:xfrm>
-            <a:off x="6135948" y="3880911"/>
+            <a:off x="6372200" y="3849599"/>
             <a:ext cx="2104059" cy="2104059"/>
           </a:xfrm>
           <a:prstGeom prst="rect">
@@ -29372,10 +29474,10 @@
       </p:grpSpPr>
       <p:pic>
         <p:nvPicPr>
-          <p:cNvPr id="3" name="Imagen 2">
+          <p:cNvPr id="4" name="Imagen 3">
             <a:extLst>
               <a:ext uri="{FF2B5EF4-FFF2-40B4-BE49-F238E27FC236}">
-                <a16:creationId xmlns:a16="http://schemas.microsoft.com/office/drawing/2014/main" id="{B6772D5F-DCF2-4AC6-9B5F-391A86ACA701}"/>
+                <a16:creationId xmlns:a16="http://schemas.microsoft.com/office/drawing/2014/main" id="{0222FA61-45D8-4D34-9B01-67770EFE71AA}"/>
               </a:ext>
             </a:extLst>
           </p:cNvPr>
@@ -29392,8 +29494,8 @@
         </p:blipFill>
         <p:spPr>
           <a:xfrm>
-            <a:off x="1331640" y="1242864"/>
-            <a:ext cx="6705600" cy="5133975"/>
+            <a:off x="1562704" y="1268760"/>
+            <a:ext cx="6018591" cy="4824536"/>
           </a:xfrm>
           <a:prstGeom prst="rect">
             <a:avLst/>
